--- a/Lecture12_TopicsResearchDesign/Lecture12_ResearchDesign_2022F.pptx
+++ b/Lecture12_TopicsResearchDesign/Lecture12_ResearchDesign_2022F.pptx
@@ -260,7 +260,7 @@
           <a:p>
             <a:fld id="{EF911157-0FC2-4F06-8D61-FD647FE4E19D}" type="datetimeFigureOut">
               <a:rPr lang="en-US" smtClean="0"/>
-              <a:t>8/19/2022</a:t>
+              <a:t>10/17/2022</a:t>
             </a:fld>
             <a:endParaRPr lang="en-US"/>
           </a:p>
@@ -1850,15 +1850,15 @@
           <a:p>
             <a:r>
               <a:rPr lang="en-US" dirty="0"/>
-              <a:t>Even though we’re after a causal pathway, </a:t>
-            </a:r>
-            <a:r>
-              <a:rPr lang="en-US" dirty="0" err="1"/>
-              <a:t>asolid</a:t>
+              <a:t>See “Mere description” in </a:t>
+            </a:r>
+            <a:r>
+              <a:rPr lang="en-US"/>
+              <a:t>the folder. Even </a:t>
             </a:r>
             <a:r>
               <a:rPr lang="en-US" dirty="0"/>
-              <a:t> set of descriptive stats (or better, a </a:t>
+              <a:t>though we’re after a causal pathway, a solid set of descriptive stats (or better, a </a:t>
             </a:r>
             <a:r>
               <a:rPr lang="en-US" dirty="0" err="1"/>
@@ -5890,7 +5890,7 @@
             <a:fld id="{0972D05C-DCFB-4BB6-B49C-AC126BF3ED2C}" type="datetimeFigureOut">
               <a:rPr lang="en-US" smtClean="0"/>
               <a:pPr/>
-              <a:t>8/19/2022</a:t>
+              <a:t>10/17/2022</a:t>
             </a:fld>
             <a:endParaRPr lang="en-US"/>
           </a:p>
@@ -6120,7 +6120,7 @@
             <a:fld id="{0972D05C-DCFB-4BB6-B49C-AC126BF3ED2C}" type="datetimeFigureOut">
               <a:rPr lang="en-US" smtClean="0"/>
               <a:pPr/>
-              <a:t>8/19/2022</a:t>
+              <a:t>10/17/2022</a:t>
             </a:fld>
             <a:endParaRPr lang="en-US"/>
           </a:p>
@@ -6302,7 +6302,7 @@
             <a:fld id="{0972D05C-DCFB-4BB6-B49C-AC126BF3ED2C}" type="datetimeFigureOut">
               <a:rPr lang="en-US" smtClean="0"/>
               <a:pPr/>
-              <a:t>8/19/2022</a:t>
+              <a:t>10/17/2022</a:t>
             </a:fld>
             <a:endParaRPr lang="en-US"/>
           </a:p>
@@ -6474,7 +6474,7 @@
             <a:fld id="{0972D05C-DCFB-4BB6-B49C-AC126BF3ED2C}" type="datetimeFigureOut">
               <a:rPr lang="en-US" smtClean="0"/>
               <a:pPr/>
-              <a:t>8/19/2022</a:t>
+              <a:t>10/17/2022</a:t>
             </a:fld>
             <a:endParaRPr lang="en-US"/>
           </a:p>
@@ -6730,7 +6730,7 @@
             <a:fld id="{0972D05C-DCFB-4BB6-B49C-AC126BF3ED2C}" type="datetimeFigureOut">
               <a:rPr lang="en-US" smtClean="0"/>
               <a:pPr/>
-              <a:t>8/19/2022</a:t>
+              <a:t>10/17/2022</a:t>
             </a:fld>
             <a:endParaRPr lang="en-US"/>
           </a:p>
@@ -7058,7 +7058,7 @@
             <a:fld id="{0972D05C-DCFB-4BB6-B49C-AC126BF3ED2C}" type="datetimeFigureOut">
               <a:rPr lang="en-US" smtClean="0"/>
               <a:pPr/>
-              <a:t>8/19/2022</a:t>
+              <a:t>10/17/2022</a:t>
             </a:fld>
             <a:endParaRPr lang="en-US"/>
           </a:p>
@@ -7511,7 +7511,7 @@
             <a:fld id="{0972D05C-DCFB-4BB6-B49C-AC126BF3ED2C}" type="datetimeFigureOut">
               <a:rPr lang="en-US" smtClean="0"/>
               <a:pPr/>
-              <a:t>8/19/2022</a:t>
+              <a:t>10/17/2022</a:t>
             </a:fld>
             <a:endParaRPr lang="en-US"/>
           </a:p>
@@ -7631,7 +7631,7 @@
             <a:fld id="{0972D05C-DCFB-4BB6-B49C-AC126BF3ED2C}" type="datetimeFigureOut">
               <a:rPr lang="en-US" smtClean="0"/>
               <a:pPr/>
-              <a:t>8/19/2022</a:t>
+              <a:t>10/17/2022</a:t>
             </a:fld>
             <a:endParaRPr lang="en-US"/>
           </a:p>
@@ -7728,7 +7728,7 @@
             <a:fld id="{0972D05C-DCFB-4BB6-B49C-AC126BF3ED2C}" type="datetimeFigureOut">
               <a:rPr lang="en-US" smtClean="0"/>
               <a:pPr/>
-              <a:t>8/19/2022</a:t>
+              <a:t>10/17/2022</a:t>
             </a:fld>
             <a:endParaRPr lang="en-US"/>
           </a:p>
@@ -8017,7 +8017,7 @@
             <a:fld id="{0972D05C-DCFB-4BB6-B49C-AC126BF3ED2C}" type="datetimeFigureOut">
               <a:rPr lang="en-US" smtClean="0"/>
               <a:pPr/>
-              <a:t>8/19/2022</a:t>
+              <a:t>10/17/2022</a:t>
             </a:fld>
             <a:endParaRPr lang="en-US"/>
           </a:p>
@@ -8341,7 +8341,7 @@
             <a:fld id="{0972D05C-DCFB-4BB6-B49C-AC126BF3ED2C}" type="datetimeFigureOut">
               <a:rPr lang="en-US" smtClean="0"/>
               <a:pPr/>
-              <a:t>8/19/2022</a:t>
+              <a:t>10/17/2022</a:t>
             </a:fld>
             <a:endParaRPr lang="en-US"/>
           </a:p>
@@ -8596,7 +8596,7 @@
             <a:fld id="{0972D05C-DCFB-4BB6-B49C-AC126BF3ED2C}" type="datetimeFigureOut">
               <a:rPr lang="en-US" smtClean="0"/>
               <a:pPr/>
-              <a:t>8/19/2022</a:t>
+              <a:t>10/17/2022</a:t>
             </a:fld>
             <a:endParaRPr lang="en-US" dirty="0"/>
           </a:p>
@@ -9279,8 +9279,8 @@
           </a:extLst>
         </p:spPr>
       </p:pic>
-      <mc:AlternateContent xmlns:mc="http://schemas.openxmlformats.org/markup-compatibility/2006">
-        <mc:Choice xmlns:a14="http://schemas.microsoft.com/office/drawing/2010/main" Requires="a14">
+      <mc:AlternateContent xmlns:mc="http://schemas.openxmlformats.org/markup-compatibility/2006" xmlns:a14="http://schemas.microsoft.com/office/drawing/2010/main">
+        <mc:Choice Requires="a14">
           <p:sp>
             <p:nvSpPr>
               <p:cNvPr id="3" name="TextBox 2">
@@ -9377,7 +9377,7 @@
             </p:txBody>
           </p:sp>
         </mc:Choice>
-        <mc:Fallback>
+        <mc:Fallback xmlns="">
           <p:sp>
             <p:nvSpPr>
               <p:cNvPr id="3" name="TextBox 2">
@@ -9698,8 +9698,8 @@
           </a:p>
         </p:txBody>
       </p:sp>
-      <mc:AlternateContent xmlns:mc="http://schemas.openxmlformats.org/markup-compatibility/2006">
-        <mc:Choice xmlns:a14="http://schemas.microsoft.com/office/drawing/2010/main" Requires="a14">
+      <mc:AlternateContent xmlns:mc="http://schemas.openxmlformats.org/markup-compatibility/2006" xmlns:a14="http://schemas.microsoft.com/office/drawing/2010/main">
+        <mc:Choice Requires="a14">
           <p:sp>
             <p:nvSpPr>
               <p:cNvPr id="4" name="Content Placeholder 3">
@@ -9829,7 +9829,7 @@
             </p:txBody>
           </p:sp>
         </mc:Choice>
-        <mc:Fallback>
+        <mc:Fallback xmlns="">
           <p:sp>
             <p:nvSpPr>
               <p:cNvPr id="4" name="Content Placeholder 3">
@@ -10023,8 +10023,8 @@
           </a:prstGeom>
         </p:spPr>
       </p:pic>
-      <mc:AlternateContent xmlns:mc="http://schemas.openxmlformats.org/markup-compatibility/2006">
-        <mc:Choice xmlns:a14="http://schemas.microsoft.com/office/drawing/2010/main" Requires="a14">
+      <mc:AlternateContent xmlns:mc="http://schemas.openxmlformats.org/markup-compatibility/2006" xmlns:a14="http://schemas.microsoft.com/office/drawing/2010/main">
+        <mc:Choice Requires="a14">
           <p:sp>
             <p:nvSpPr>
               <p:cNvPr id="8" name="TextBox 7">
@@ -10134,7 +10134,7 @@
             </p:txBody>
           </p:sp>
         </mc:Choice>
-        <mc:Fallback>
+        <mc:Fallback xmlns="">
           <p:sp>
             <p:nvSpPr>
               <p:cNvPr id="8" name="TextBox 7">
@@ -10244,8 +10244,8 @@
           </a:p>
         </p:txBody>
       </p:sp>
-      <mc:AlternateContent xmlns:mc="http://schemas.openxmlformats.org/markup-compatibility/2006">
-        <mc:Choice xmlns:a14="http://schemas.microsoft.com/office/drawing/2010/main" Requires="a14">
+      <mc:AlternateContent xmlns:mc="http://schemas.openxmlformats.org/markup-compatibility/2006" xmlns:a14="http://schemas.microsoft.com/office/drawing/2010/main">
+        <mc:Choice Requires="a14">
           <p:sp>
             <p:nvSpPr>
               <p:cNvPr id="4" name="Content Placeholder 3">
@@ -10556,7 +10556,7 @@
             </p:txBody>
           </p:sp>
         </mc:Choice>
-        <mc:Fallback>
+        <mc:Fallback xmlns="">
           <p:sp>
             <p:nvSpPr>
               <p:cNvPr id="4" name="Content Placeholder 3">
@@ -11683,8 +11683,8 @@
           </a:p>
         </p:txBody>
       </p:sp>
-      <mc:AlternateContent xmlns:mc="http://schemas.openxmlformats.org/markup-compatibility/2006">
-        <mc:Choice xmlns:a14="http://schemas.microsoft.com/office/drawing/2010/main" Requires="a14">
+      <mc:AlternateContent xmlns:mc="http://schemas.openxmlformats.org/markup-compatibility/2006" xmlns:a14="http://schemas.microsoft.com/office/drawing/2010/main">
+        <mc:Choice Requires="a14">
           <p:sp>
             <p:nvSpPr>
               <p:cNvPr id="3" name="Content Placeholder 2"/>
@@ -11847,7 +11847,7 @@
             </p:txBody>
           </p:sp>
         </mc:Choice>
-        <mc:Fallback>
+        <mc:Fallback xmlns="">
           <p:sp>
             <p:nvSpPr>
               <p:cNvPr id="3" name="Content Placeholder 2"/>
@@ -18576,8 +18576,8 @@
           </a:p>
         </p:txBody>
       </p:sp>
-      <mc:AlternateContent xmlns:mc="http://schemas.openxmlformats.org/markup-compatibility/2006">
-        <mc:Choice xmlns:a14="http://schemas.microsoft.com/office/drawing/2010/main" Requires="a14">
+      <mc:AlternateContent xmlns:mc="http://schemas.openxmlformats.org/markup-compatibility/2006" xmlns:a14="http://schemas.microsoft.com/office/drawing/2010/main">
+        <mc:Choice Requires="a14">
           <p:sp>
             <p:nvSpPr>
               <p:cNvPr id="3" name="Content Placeholder 2"/>
@@ -18753,7 +18753,7 @@
             </p:txBody>
           </p:sp>
         </mc:Choice>
-        <mc:Fallback>
+        <mc:Fallback xmlns="">
           <p:sp>
             <p:nvSpPr>
               <p:cNvPr id="3" name="Content Placeholder 2"/>
